--- a/tutorials/Scala/presentations/20_Pattern-Matching.pptx
+++ b/tutorials/Scala/presentations/20_Pattern-Matching.pptx
@@ -327,7 +327,7 @@
             <a:fld id="{1D8BD707-D9CF-40AE-B4C6-C98DA3205C09}" type="datetimeFigureOut">
               <a:rPr lang="en-US" smtClean="0"/>
               <a:pPr/>
-              <a:t>2025-01-25</a:t>
+              <a:t>2025-01-30</a:t>
             </a:fld>
             <a:endParaRPr lang="en-US"/>
           </a:p>
@@ -492,7 +492,7 @@
             <a:fld id="{1D8BD707-D9CF-40AE-B4C6-C98DA3205C09}" type="datetimeFigureOut">
               <a:rPr lang="en-US" smtClean="0"/>
               <a:pPr/>
-              <a:t>2025-01-25</a:t>
+              <a:t>2025-01-30</a:t>
             </a:fld>
             <a:endParaRPr lang="en-US"/>
           </a:p>
@@ -667,7 +667,7 @@
             <a:fld id="{1D8BD707-D9CF-40AE-B4C6-C98DA3205C09}" type="datetimeFigureOut">
               <a:rPr lang="en-US" smtClean="0"/>
               <a:pPr/>
-              <a:t>2025-01-25</a:t>
+              <a:t>2025-01-30</a:t>
             </a:fld>
             <a:endParaRPr lang="en-US"/>
           </a:p>
@@ -832,7 +832,7 @@
             <a:fld id="{1D8BD707-D9CF-40AE-B4C6-C98DA3205C09}" type="datetimeFigureOut">
               <a:rPr lang="en-US" smtClean="0"/>
               <a:pPr/>
-              <a:t>2025-01-25</a:t>
+              <a:t>2025-01-30</a:t>
             </a:fld>
             <a:endParaRPr lang="en-US"/>
           </a:p>
@@ -1074,7 +1074,7 @@
             <a:fld id="{1D8BD707-D9CF-40AE-B4C6-C98DA3205C09}" type="datetimeFigureOut">
               <a:rPr lang="en-US" smtClean="0"/>
               <a:pPr/>
-              <a:t>2025-01-25</a:t>
+              <a:t>2025-01-30</a:t>
             </a:fld>
             <a:endParaRPr lang="en-US"/>
           </a:p>
@@ -1356,7 +1356,7 @@
             <a:fld id="{1D8BD707-D9CF-40AE-B4C6-C98DA3205C09}" type="datetimeFigureOut">
               <a:rPr lang="en-US" smtClean="0"/>
               <a:pPr/>
-              <a:t>2025-01-25</a:t>
+              <a:t>2025-01-30</a:t>
             </a:fld>
             <a:endParaRPr lang="en-US"/>
           </a:p>
@@ -1772,7 +1772,7 @@
             <a:fld id="{1D8BD707-D9CF-40AE-B4C6-C98DA3205C09}" type="datetimeFigureOut">
               <a:rPr lang="en-US" smtClean="0"/>
               <a:pPr/>
-              <a:t>2025-01-25</a:t>
+              <a:t>2025-01-30</a:t>
             </a:fld>
             <a:endParaRPr lang="en-US"/>
           </a:p>
@@ -1886,7 +1886,7 @@
             <a:fld id="{1D8BD707-D9CF-40AE-B4C6-C98DA3205C09}" type="datetimeFigureOut">
               <a:rPr lang="en-US" smtClean="0"/>
               <a:pPr/>
-              <a:t>2025-01-25</a:t>
+              <a:t>2025-01-30</a:t>
             </a:fld>
             <a:endParaRPr lang="en-US"/>
           </a:p>
@@ -1978,7 +1978,7 @@
             <a:fld id="{1D8BD707-D9CF-40AE-B4C6-C98DA3205C09}" type="datetimeFigureOut">
               <a:rPr lang="en-US" smtClean="0"/>
               <a:pPr/>
-              <a:t>2025-01-25</a:t>
+              <a:t>2025-01-30</a:t>
             </a:fld>
             <a:endParaRPr lang="en-US"/>
           </a:p>
@@ -2250,7 +2250,7 @@
             <a:fld id="{1D8BD707-D9CF-40AE-B4C6-C98DA3205C09}" type="datetimeFigureOut">
               <a:rPr lang="en-US" smtClean="0"/>
               <a:pPr/>
-              <a:t>2025-01-25</a:t>
+              <a:t>2025-01-30</a:t>
             </a:fld>
             <a:endParaRPr lang="en-US"/>
           </a:p>
@@ -2499,7 +2499,7 @@
             <a:fld id="{1D8BD707-D9CF-40AE-B4C6-C98DA3205C09}" type="datetimeFigureOut">
               <a:rPr lang="en-US" smtClean="0"/>
               <a:pPr/>
-              <a:t>2025-01-25</a:t>
+              <a:t>2025-01-30</a:t>
             </a:fld>
             <a:endParaRPr lang="en-US"/>
           </a:p>
@@ -2707,7 +2707,7 @@
             <a:fld id="{1D8BD707-D9CF-40AE-B4C6-C98DA3205C09}" type="datetimeFigureOut">
               <a:rPr lang="en-US" smtClean="0"/>
               <a:pPr/>
-              <a:t>2025-01-25</a:t>
+              <a:t>2025-01-30</a:t>
             </a:fld>
             <a:endParaRPr lang="en-US"/>
           </a:p>
@@ -3117,18 +3117,13 @@
           <a:p>
             <a:r>
               <a:rPr lang="en-US" dirty="0"/>
-              <a:t>CIS-3030, </a:t>
-            </a:r>
-            <a:r>
-              <a:rPr lang="en-US"/>
-              <a:t>Vermont Technical College</a:t>
-            </a:r>
-            <a:endParaRPr lang="en-US" dirty="0"/>
-          </a:p>
-          <a:p>
-            <a:r>
-              <a:rPr lang="en-US" dirty="0"/>
-              <a:t>Peter C. Chapin</a:t>
+              <a:t>Peter Chapin</a:t>
+            </a:r>
+          </a:p>
+          <a:p>
+            <a:r>
+              <a:rPr lang="en-US" dirty="0"/>
+              <a:t>Vermont State University</a:t>
             </a:r>
           </a:p>
         </p:txBody>
@@ -3646,7 +3641,7 @@
           <a:p>
             <a:r>
               <a:rPr lang="en-US" dirty="0"/>
-              <a:t>Case Classes can be related</a:t>
+              <a:t>Case classes can be related</a:t>
             </a:r>
           </a:p>
           <a:p>
@@ -4857,7 +4852,7 @@
         </p:nvSpPr>
         <p:spPr>
           <a:xfrm>
-            <a:off x="5105400" y="2514600"/>
+            <a:off x="5105400" y="2667000"/>
             <a:ext cx="762000" cy="533400"/>
           </a:xfrm>
           <a:prstGeom prst="ellipse">
@@ -4932,7 +4927,7 @@
         <p:spPr>
           <a:xfrm flipH="1">
             <a:off x="5755808" y="1861066"/>
-            <a:ext cx="1787992" cy="731649"/>
+            <a:ext cx="1787992" cy="884049"/>
           </a:xfrm>
           <a:prstGeom prst="straightConnector1">
             <a:avLst/>
@@ -6025,8 +6020,8 @@
         </p:nvSpPr>
         <p:spPr>
           <a:xfrm>
-            <a:off x="1981200" y="1600201"/>
-            <a:ext cx="8229600" cy="2438400"/>
+            <a:off x="1600200" y="1524000"/>
+            <a:ext cx="8991600" cy="2438400"/>
           </a:xfrm>
         </p:spPr>
         <p:txBody>
@@ -8727,7 +8722,7 @@
           <a:p>
             <a:pPr lvl="2"/>
             <a:r>
-              <a:rPr lang="en-US" b="1" dirty="0" err="1">
+              <a:rPr lang="en-US" b="1" dirty="0">
                 <a:latin typeface="Courier New" pitchFamily="49" charset="0"/>
                 <a:cs typeface="Courier New" pitchFamily="49" charset="0"/>
               </a:rPr>
@@ -8739,6 +8734,20 @@
                 <a:cs typeface="Courier New" pitchFamily="49" charset="0"/>
               </a:rPr>
               <a:t> (sum, difference) = </a:t>
+            </a:r>
+            <a:r>
+              <a:rPr lang="en-US" dirty="0" err="1">
+                <a:latin typeface="Courier New" pitchFamily="49" charset="0"/>
+                <a:cs typeface="Courier New" pitchFamily="49" charset="0"/>
+              </a:rPr>
+              <a:t>sumAndDifference</a:t>
+            </a:r>
+            <a:r>
+              <a:rPr lang="en-US" dirty="0">
+                <a:latin typeface="Courier New" pitchFamily="49" charset="0"/>
+                <a:cs typeface="Courier New" pitchFamily="49" charset="0"/>
+              </a:rPr>
+              <a:t>(a, b)</a:t>
             </a:r>
             <a:br>
               <a:rPr lang="en-US" dirty="0">
@@ -8747,25 +8756,18 @@
               </a:rPr>
             </a:br>
             <a:r>
+              <a:rPr lang="en-US" b="1" dirty="0">
+                <a:latin typeface="Courier New" pitchFamily="49" charset="0"/>
+                <a:cs typeface="Courier New" pitchFamily="49" charset="0"/>
+              </a:rPr>
+              <a:t>val</a:t>
+            </a:r>
+            <a:r>
               <a:rPr lang="en-US" dirty="0">
                 <a:latin typeface="Courier New" pitchFamily="49" charset="0"/>
                 <a:cs typeface="Courier New" pitchFamily="49" charset="0"/>
               </a:rPr>
-              <a:t>    </a:t>
-            </a:r>
-            <a:r>
-              <a:rPr lang="en-US" dirty="0" err="1">
-                <a:latin typeface="Courier New" pitchFamily="49" charset="0"/>
-                <a:cs typeface="Courier New" pitchFamily="49" charset="0"/>
-              </a:rPr>
-              <a:t>sumAndDifference</a:t>
-            </a:r>
-            <a:r>
-              <a:rPr lang="en-US" dirty="0">
-                <a:latin typeface="Courier New" pitchFamily="49" charset="0"/>
-                <a:cs typeface="Courier New" pitchFamily="49" charset="0"/>
-              </a:rPr>
-              <a:t>(a, b)</a:t>
+              <a:t> x = sum + 1</a:t>
             </a:r>
             <a:br>
               <a:rPr lang="en-US" dirty="0">
@@ -8774,27 +8776,7 @@
               </a:rPr>
             </a:br>
             <a:r>
-              <a:rPr lang="en-US" b="1" dirty="0" err="1">
-                <a:latin typeface="Courier New" pitchFamily="49" charset="0"/>
-                <a:cs typeface="Courier New" pitchFamily="49" charset="0"/>
-              </a:rPr>
-              <a:t>val</a:t>
-            </a:r>
-            <a:r>
-              <a:rPr lang="en-US" dirty="0">
-                <a:latin typeface="Courier New" pitchFamily="49" charset="0"/>
-                <a:cs typeface="Courier New" pitchFamily="49" charset="0"/>
-              </a:rPr>
-              <a:t> x = sum + 1</a:t>
-            </a:r>
-            <a:br>
-              <a:rPr lang="en-US" dirty="0">
-                <a:latin typeface="Courier New" pitchFamily="49" charset="0"/>
-                <a:cs typeface="Courier New" pitchFamily="49" charset="0"/>
-              </a:rPr>
-            </a:br>
-            <a:r>
-              <a:rPr lang="en-US" b="1" dirty="0" err="1">
+              <a:rPr lang="en-US" b="1" dirty="0">
                 <a:latin typeface="Courier New" pitchFamily="49" charset="0"/>
                 <a:cs typeface="Courier New" pitchFamily="49" charset="0"/>
               </a:rPr>
@@ -8915,11 +8897,11 @@
           <a:p>
             <a:r>
               <a:rPr lang="en-US" dirty="0"/>
-              <a:t>Pattern Matching Called </a:t>
+              <a:t>Pattern Matching is also called </a:t>
             </a:r>
             <a:r>
               <a:rPr lang="en-US" i="1" dirty="0"/>
-              <a:t>Deconstruction</a:t>
+              <a:t>deconstruction</a:t>
             </a:r>
           </a:p>
           <a:p>
@@ -9875,7 +9857,12 @@
             <p:ph type="body" idx="1"/>
           </p:nvPr>
         </p:nvSpPr>
-        <p:spPr/>
+        <p:spPr>
+          <a:xfrm>
+            <a:off x="1981200" y="1535113"/>
+            <a:ext cx="1524000" cy="639762"/>
+          </a:xfrm>
+        </p:spPr>
         <p:txBody>
           <a:bodyPr/>
           <a:lstStyle/>
@@ -9958,7 +9945,12 @@
             <p:ph type="body" sz="quarter" idx="3"/>
           </p:nvPr>
         </p:nvSpPr>
-        <p:spPr/>
+        <p:spPr>
+          <a:xfrm>
+            <a:off x="6258837" y="1539552"/>
+            <a:ext cx="1426632" cy="639762"/>
+          </a:xfrm>
+        </p:spPr>
         <p:txBody>
           <a:bodyPr/>
           <a:lstStyle/>
